--- a/Cybersecurity_Capstone_Presentation.pptx
+++ b/Cybersecurity_Capstone_Presentation.pptx
@@ -7004,12 +7004,12 @@
         <p:spPr>
           <a:xfrm>
             <a:off x="1176865" y="2490135"/>
-            <a:ext cx="6798736" cy="3769988"/>
+            <a:ext cx="6798736" cy="3741853"/>
           </a:xfrm>
         </p:spPr>
         <p:txBody>
           <a:bodyPr>
-            <a:normAutofit fontScale="92500" lnSpcReduction="10000"/>
+            <a:normAutofit fontScale="92500" lnSpcReduction="20000"/>
           </a:bodyPr>
           <a:lstStyle/>
           <a:p>
@@ -7065,7 +7065,7 @@
               <a:rPr lang="en-US" dirty="0">
                 <a:hlinkClick r:id="rId2"/>
               </a:rPr>
-              <a:t>GitHub Repo Link</a:t>
+              <a:t>Dataset Link</a:t>
             </a:r>
             <a:endParaRPr lang="en-US" dirty="0"/>
           </a:p>
@@ -7077,11 +7077,9 @@
               <a:rPr lang="en-US" dirty="0">
                 <a:hlinkClick r:id="rId3"/>
               </a:rPr>
-              <a:t>Dataset Link</a:t>
-            </a:r>
-            <a:endParaRPr lang="en-US" dirty="0">
-              <a:hlinkClick r:id="rId4"/>
-            </a:endParaRPr>
+              <a:t>GitHub Repo Link</a:t>
+            </a:r>
+            <a:endParaRPr lang="en-US" dirty="0"/>
           </a:p>
           <a:p>
             <a:pPr marL="0" indent="0">
@@ -7097,7 +7095,7 @@
               <a:rPr lang="en-US" dirty="0">
                 <a:hlinkClick r:id="rId4"/>
               </a:rPr>
-              <a:t> Dashboards</a:t>
+              <a:t> Link</a:t>
             </a:r>
             <a:endParaRPr lang="en-US" dirty="0"/>
           </a:p>
@@ -8107,7 +8105,7 @@
         <p:spPr>
           <a:xfrm>
             <a:off x="1176865" y="2490135"/>
-            <a:ext cx="6798736" cy="3798123"/>
+            <a:ext cx="6798736" cy="3755920"/>
           </a:xfrm>
         </p:spPr>
         <p:txBody>
@@ -8152,7 +8150,7 @@
               <a:rPr lang="en-US" dirty="0">
                 <a:hlinkClick r:id="rId2"/>
               </a:rPr>
-              <a:t>GitHub Repo Link</a:t>
+              <a:t>Dataset Link</a:t>
             </a:r>
             <a:endParaRPr lang="en-US" dirty="0"/>
           </a:p>
@@ -8164,11 +8162,9 @@
               <a:rPr lang="en-US" dirty="0">
                 <a:hlinkClick r:id="rId3"/>
               </a:rPr>
-              <a:t>Dataset Link</a:t>
-            </a:r>
-            <a:endParaRPr lang="en-US" dirty="0">
-              <a:hlinkClick r:id="rId4"/>
-            </a:endParaRPr>
+              <a:t>GitHub Repo Link</a:t>
+            </a:r>
+            <a:endParaRPr lang="en-US" dirty="0"/>
           </a:p>
           <a:p>
             <a:pPr marL="0" indent="0">
@@ -8184,7 +8180,7 @@
               <a:rPr lang="en-US" dirty="0">
                 <a:hlinkClick r:id="rId4"/>
               </a:rPr>
-              <a:t> Dashboards</a:t>
+              <a:t> Link</a:t>
             </a:r>
             <a:endParaRPr lang="en-US" dirty="0"/>
           </a:p>
@@ -9206,15 +9202,15 @@
           <a:p>
             <a:r>
               <a:rPr dirty="0"/>
-              <a:t>The Power BI dashboard provides a clear, actionable view of </a:t>
+              <a:t>The Power BI dashboard provides a clear, actionable view of network anomalies </a:t>
             </a:r>
             <a:r>
               <a:rPr dirty="0" smtClean="0"/>
-              <a:t>network </a:t>
+              <a:t>and </a:t>
             </a:r>
             <a:r>
               <a:rPr dirty="0"/>
-              <a:t>anomalies and model performance</a:t>
+              <a:t>model performance</a:t>
             </a:r>
             <a:r>
               <a:rPr dirty="0" smtClean="0"/>
@@ -9230,7 +9226,7 @@
               <a:rPr lang="en-US" dirty="0">
                 <a:hlinkClick r:id="rId2"/>
               </a:rPr>
-              <a:t>GitHub Repo Link</a:t>
+              <a:t>Dataset Link</a:t>
             </a:r>
             <a:endParaRPr lang="en-US" dirty="0"/>
           </a:p>
@@ -9242,11 +9238,9 @@
               <a:rPr lang="en-US" dirty="0">
                 <a:hlinkClick r:id="rId3"/>
               </a:rPr>
-              <a:t>Dataset Link</a:t>
-            </a:r>
-            <a:endParaRPr lang="en-US" dirty="0">
-              <a:hlinkClick r:id="rId4"/>
-            </a:endParaRPr>
+              <a:t>GitHub Repo Link</a:t>
+            </a:r>
+            <a:endParaRPr lang="en-US" dirty="0"/>
           </a:p>
           <a:p>
             <a:pPr marL="0" indent="0">
@@ -9259,12 +9253,12 @@
               <a:t>PowerBI</a:t>
             </a:r>
             <a:r>
-              <a:rPr lang="en-US">
+              <a:rPr lang="en-US" dirty="0">
                 <a:hlinkClick r:id="rId4"/>
               </a:rPr>
-              <a:t> Dashboards</a:t>
-            </a:r>
-            <a:endParaRPr lang="en-US"/>
+              <a:t> Link</a:t>
+            </a:r>
+            <a:endParaRPr lang="en-US" dirty="0"/>
           </a:p>
           <a:p>
             <a:pPr marL="0" indent="0">
@@ -9767,6 +9761,37 @@
           </a:p>
         </p:txBody>
       </p:sp>
+      <p:sp>
+        <p:nvSpPr>
+          <p:cNvPr id="21" name="TextBox 20"/>
+          <p:cNvSpPr txBox="1"/>
+          <p:nvPr/>
+        </p:nvSpPr>
+        <p:spPr>
+          <a:xfrm>
+            <a:off x="274320" y="6217920"/>
+            <a:ext cx="8229600" cy="274320"/>
+          </a:xfrm>
+          <a:prstGeom prst="rect">
+            <a:avLst/>
+          </a:prstGeom>
+          <a:noFill/>
+        </p:spPr>
+        <p:txBody>
+          <a:bodyPr wrap="none">
+            <a:spAutoFit/>
+          </a:bodyPr>
+          <a:lstStyle/>
+          <a:p>
+            <a:pPr algn="ctr">
+              <a:defRPr sz="1000" b="1"/>
+            </a:pPr>
+            <a:r>
+              <a:t>GitHub Repository: https://github.com/Serge731/CyberSecurityBigDataAnalytics</a:t>
+            </a:r>
+          </a:p>
+        </p:txBody>
+      </p:sp>
     </p:spTree>
     <p:extLst>
       <p:ext uri="{BB962C8B-B14F-4D97-AF65-F5344CB8AC3E}">
@@ -10163,7 +10188,7 @@
         <p:spPr>
           <a:xfrm>
             <a:off x="1176865" y="2490135"/>
-            <a:ext cx="6798736" cy="3784056"/>
+            <a:ext cx="6798736" cy="3769988"/>
           </a:xfrm>
         </p:spPr>
         <p:txBody>
@@ -10225,16 +10250,16 @@
               <a:buNone/>
             </a:pPr>
             <a:r>
-              <a:rPr lang="en-US" dirty="0" err="1">
+              <a:rPr lang="en-US" dirty="0" err="1" smtClean="0">
                 <a:hlinkClick r:id="rId4"/>
               </a:rPr>
               <a:t>PowerBI</a:t>
             </a:r>
             <a:r>
-              <a:rPr lang="en-US" dirty="0">
+              <a:rPr lang="en-US" dirty="0" smtClean="0">
                 <a:hlinkClick r:id="rId4"/>
               </a:rPr>
-              <a:t> Dashboards</a:t>
+              <a:t> Link</a:t>
             </a:r>
             <a:endParaRPr dirty="0"/>
           </a:p>
@@ -10631,7 +10656,7 @@
         <p:spPr>
           <a:xfrm>
             <a:off x="1176865" y="2490135"/>
-            <a:ext cx="6798736" cy="3727785"/>
+            <a:ext cx="6798736" cy="3741853"/>
           </a:xfrm>
         </p:spPr>
         <p:txBody>
@@ -10642,15 +10667,7 @@
           <a:p>
             <a:r>
               <a:rPr dirty="0"/>
-              <a:t>Dataset: Refined cybersecurity dataset enhanced with anomaly </a:t>
-            </a:r>
-            <a:r>
-              <a:rPr dirty="0" smtClean="0"/>
-              <a:t>using </a:t>
-            </a:r>
-            <a:r>
-              <a:rPr dirty="0"/>
-              <a:t>Isolation Forest.</a:t>
+              <a:t>Dataset: Refined cybersecurity dataset enhanced with anomaly detection using Isolation Forest.</a:t>
             </a:r>
           </a:p>
           <a:p>
@@ -10713,19 +10730,11 @@
           <a:p>
             <a:r>
               <a:rPr dirty="0"/>
-              <a:t>- </a:t>
+              <a:t>- Source: Synthetic dataset for cybersecurity analytics</a:t>
             </a:r>
             <a:r>
               <a:rPr dirty="0" smtClean="0"/>
-              <a:t>Source</a:t>
-            </a:r>
-            <a:r>
-              <a:rPr dirty="0"/>
-              <a:t>: Synthetic dataset for cybersecurity </a:t>
-            </a:r>
-            <a:r>
-              <a:rPr dirty="0" smtClean="0"/>
-              <a:t>analytics.</a:t>
+              <a:t>.</a:t>
             </a:r>
             <a:endParaRPr lang="en-US" dirty="0" smtClean="0"/>
           </a:p>
@@ -10737,7 +10746,7 @@
               <a:rPr lang="en-US" dirty="0">
                 <a:hlinkClick r:id="rId2"/>
               </a:rPr>
-              <a:t>GitHub Repo Link</a:t>
+              <a:t>Dataset Link</a:t>
             </a:r>
             <a:endParaRPr lang="en-US" dirty="0"/>
           </a:p>
@@ -10749,40 +10758,32 @@
               <a:rPr lang="en-US" dirty="0">
                 <a:hlinkClick r:id="rId3"/>
               </a:rPr>
-              <a:t>Dataset </a:t>
-            </a:r>
-            <a:r>
-              <a:rPr lang="en-US" dirty="0" smtClean="0">
-                <a:hlinkClick r:id="rId3"/>
-              </a:rPr>
-              <a:t>Link</a:t>
-            </a:r>
-            <a:endParaRPr lang="en-US" dirty="0" smtClean="0">
-              <a:hlinkClick r:id="rId4"/>
-            </a:endParaRPr>
+              <a:t>GitHub Repo Link</a:t>
+            </a:r>
+            <a:endParaRPr lang="en-US" dirty="0"/>
           </a:p>
           <a:p>
             <a:pPr marL="0" indent="0">
               <a:buNone/>
             </a:pPr>
             <a:r>
-              <a:rPr lang="en-US" dirty="0" err="1" smtClean="0">
+              <a:rPr lang="en-US" dirty="0" err="1">
                 <a:hlinkClick r:id="rId4"/>
               </a:rPr>
               <a:t>PowerBI</a:t>
             </a:r>
             <a:r>
-              <a:rPr lang="en-US" dirty="0" smtClean="0">
-                <a:hlinkClick r:id="rId4"/>
-              </a:rPr>
-              <a:t> </a:t>
-            </a:r>
-            <a:r>
               <a:rPr lang="en-US" dirty="0">
                 <a:hlinkClick r:id="rId4"/>
               </a:rPr>
-              <a:t>Dashboards</a:t>
-            </a:r>
+              <a:t> Link</a:t>
+            </a:r>
+            <a:endParaRPr lang="en-US" dirty="0"/>
+          </a:p>
+          <a:p>
+            <a:pPr marL="0" indent="0">
+              <a:buNone/>
+            </a:pPr>
             <a:endParaRPr dirty="0"/>
           </a:p>
         </p:txBody>
@@ -11407,7 +11408,7 @@
         <p:spPr>
           <a:xfrm>
             <a:off x="1176865" y="2490135"/>
-            <a:ext cx="6798736" cy="3812191"/>
+            <a:ext cx="6798736" cy="3769988"/>
           </a:xfrm>
         </p:spPr>
         <p:txBody>
@@ -11446,7 +11447,7 @@
               <a:rPr lang="en-US" dirty="0">
                 <a:hlinkClick r:id="rId2"/>
               </a:rPr>
-              <a:t>GitHub Repo Link</a:t>
+              <a:t>Dataset Link</a:t>
             </a:r>
             <a:endParaRPr lang="en-US" dirty="0"/>
           </a:p>
@@ -11458,11 +11459,9 @@
               <a:rPr lang="en-US" dirty="0">
                 <a:hlinkClick r:id="rId3"/>
               </a:rPr>
-              <a:t>Dataset Link</a:t>
-            </a:r>
-            <a:endParaRPr lang="en-US" dirty="0">
-              <a:hlinkClick r:id="rId4"/>
-            </a:endParaRPr>
+              <a:t>GitHub Repo Link</a:t>
+            </a:r>
+            <a:endParaRPr lang="en-US" dirty="0"/>
           </a:p>
           <a:p>
             <a:pPr marL="0" indent="0">
@@ -11478,7 +11477,7 @@
               <a:rPr lang="en-US" dirty="0">
                 <a:hlinkClick r:id="rId4"/>
               </a:rPr>
-              <a:t> Dashboards</a:t>
+              <a:t> Link</a:t>
             </a:r>
             <a:endParaRPr lang="en-US" dirty="0"/>
           </a:p>
@@ -12046,7 +12045,12 @@
             <p:ph idx="1"/>
           </p:nvPr>
         </p:nvSpPr>
-        <p:spPr/>
+        <p:spPr>
+          <a:xfrm>
+            <a:off x="1176865" y="2490135"/>
+            <a:ext cx="6798736" cy="3769988"/>
+          </a:xfrm>
+        </p:spPr>
         <p:txBody>
           <a:bodyPr/>
           <a:lstStyle/>
@@ -12075,7 +12079,7 @@
               <a:rPr lang="en-US" dirty="0">
                 <a:hlinkClick r:id="rId2"/>
               </a:rPr>
-              <a:t>GitHub Repo Link</a:t>
+              <a:t>Dataset Link</a:t>
             </a:r>
             <a:endParaRPr lang="en-US" dirty="0"/>
           </a:p>
@@ -12087,11 +12091,9 @@
               <a:rPr lang="en-US" dirty="0">
                 <a:hlinkClick r:id="rId3"/>
               </a:rPr>
-              <a:t>Dataset Link</a:t>
-            </a:r>
-            <a:endParaRPr lang="en-US" dirty="0">
-              <a:hlinkClick r:id="rId4"/>
-            </a:endParaRPr>
+              <a:t>GitHub Repo Link</a:t>
+            </a:r>
+            <a:endParaRPr lang="en-US" dirty="0"/>
           </a:p>
           <a:p>
             <a:pPr marL="0" indent="0">
@@ -12107,7 +12109,7 @@
               <a:rPr lang="en-US" dirty="0">
                 <a:hlinkClick r:id="rId4"/>
               </a:rPr>
-              <a:t> Dashboards</a:t>
+              <a:t> Link</a:t>
             </a:r>
             <a:endParaRPr lang="en-US" dirty="0"/>
           </a:p>
@@ -12506,6 +12508,37 @@
           </a:prstGeom>
         </p:spPr>
       </p:pic>
+      <p:sp>
+        <p:nvSpPr>
+          <p:cNvPr id="8" name="TextBox 7"/>
+          <p:cNvSpPr txBox="1"/>
+          <p:nvPr/>
+        </p:nvSpPr>
+        <p:spPr>
+          <a:xfrm>
+            <a:off x="274320" y="6217920"/>
+            <a:ext cx="8229600" cy="274320"/>
+          </a:xfrm>
+          <a:prstGeom prst="rect">
+            <a:avLst/>
+          </a:prstGeom>
+          <a:noFill/>
+        </p:spPr>
+        <p:txBody>
+          <a:bodyPr wrap="none">
+            <a:spAutoFit/>
+          </a:bodyPr>
+          <a:lstStyle/>
+          <a:p>
+            <a:pPr algn="ctr">
+              <a:defRPr sz="1000" b="1"/>
+            </a:pPr>
+            <a:r>
+              <a:t>GitHub Repository: https://github.com/Serge731/CyberSecurityBigDataAnalytics</a:t>
+            </a:r>
+          </a:p>
+        </p:txBody>
+      </p:sp>
     </p:spTree>
     <p:extLst>
       <p:ext uri="{BB962C8B-B14F-4D97-AF65-F5344CB8AC3E}">
@@ -12707,7 +12740,7 @@
               <a:rPr lang="en-US" dirty="0">
                 <a:hlinkClick r:id="rId2"/>
               </a:rPr>
-              <a:t>GitHub Repo Link</a:t>
+              <a:t>Dataset Link</a:t>
             </a:r>
             <a:endParaRPr lang="en-US" dirty="0"/>
           </a:p>
@@ -12719,11 +12752,9 @@
               <a:rPr lang="en-US" dirty="0">
                 <a:hlinkClick r:id="rId3"/>
               </a:rPr>
-              <a:t>Dataset Link</a:t>
-            </a:r>
-            <a:endParaRPr lang="en-US" dirty="0">
-              <a:hlinkClick r:id="rId4"/>
-            </a:endParaRPr>
+              <a:t>GitHub Repo Link</a:t>
+            </a:r>
+            <a:endParaRPr lang="en-US" dirty="0"/>
           </a:p>
           <a:p>
             <a:pPr marL="0" indent="0">
@@ -12739,7 +12770,7 @@
               <a:rPr lang="en-US" dirty="0">
                 <a:hlinkClick r:id="rId4"/>
               </a:rPr>
-              <a:t> Dashboards</a:t>
+              <a:t> Link</a:t>
             </a:r>
             <a:endParaRPr lang="en-US" dirty="0"/>
           </a:p>
@@ -13238,6 +13269,37 @@
           </a:prstGeom>
         </p:spPr>
       </p:pic>
+      <p:sp>
+        <p:nvSpPr>
+          <p:cNvPr id="3" name="TextBox 2"/>
+          <p:cNvSpPr txBox="1"/>
+          <p:nvPr/>
+        </p:nvSpPr>
+        <p:spPr>
+          <a:xfrm>
+            <a:off x="274320" y="6217920"/>
+            <a:ext cx="8229600" cy="274320"/>
+          </a:xfrm>
+          <a:prstGeom prst="rect">
+            <a:avLst/>
+          </a:prstGeom>
+          <a:noFill/>
+        </p:spPr>
+        <p:txBody>
+          <a:bodyPr wrap="none">
+            <a:spAutoFit/>
+          </a:bodyPr>
+          <a:lstStyle/>
+          <a:p>
+            <a:pPr algn="ctr">
+              <a:defRPr sz="1000" b="1"/>
+            </a:pPr>
+            <a:r>
+              <a:t>GitHub Repository: https://github.com/Serge731/CyberSecurityBigDataAnalytics</a:t>
+            </a:r>
+          </a:p>
+        </p:txBody>
+      </p:sp>
     </p:spTree>
     <p:extLst>
       <p:ext uri="{BB962C8B-B14F-4D97-AF65-F5344CB8AC3E}">
@@ -13307,10 +13369,15 @@
             <p:ph idx="1"/>
           </p:nvPr>
         </p:nvSpPr>
-        <p:spPr/>
+        <p:spPr>
+          <a:xfrm>
+            <a:off x="1176865" y="2490135"/>
+            <a:ext cx="6798736" cy="3755920"/>
+          </a:xfrm>
+        </p:spPr>
         <p:txBody>
           <a:bodyPr>
-            <a:normAutofit fontScale="77500" lnSpcReduction="20000"/>
+            <a:normAutofit fontScale="85000" lnSpcReduction="10000"/>
           </a:bodyPr>
           <a:lstStyle/>
           <a:p>
@@ -13410,7 +13477,7 @@
               <a:rPr lang="en-US" dirty="0">
                 <a:hlinkClick r:id="rId2"/>
               </a:rPr>
-              <a:t>GitHub Repo Link</a:t>
+              <a:t>Dataset Link</a:t>
             </a:r>
             <a:endParaRPr lang="en-US" dirty="0"/>
           </a:p>
@@ -13422,11 +13489,9 @@
               <a:rPr lang="en-US" dirty="0">
                 <a:hlinkClick r:id="rId3"/>
               </a:rPr>
-              <a:t>Dataset Link</a:t>
-            </a:r>
-            <a:endParaRPr lang="en-US" dirty="0">
-              <a:hlinkClick r:id="rId4"/>
-            </a:endParaRPr>
+              <a:t>GitHub Repo Link</a:t>
+            </a:r>
+            <a:endParaRPr lang="en-US" dirty="0"/>
           </a:p>
           <a:p>
             <a:pPr marL="0" indent="0">
@@ -13442,7 +13507,7 @@
               <a:rPr lang="en-US" dirty="0">
                 <a:hlinkClick r:id="rId4"/>
               </a:rPr>
-              <a:t> Dashboards</a:t>
+              <a:t> Link</a:t>
             </a:r>
             <a:endParaRPr lang="en-US" dirty="0"/>
           </a:p>
